--- a/slides/ppt/12_Threads_Syncronization.pptx
+++ b/slides/ppt/12_Threads_Syncronization.pptx
@@ -9,20 +9,20 @@
     <p:sldId id="257" r:id="rId3"/>
     <p:sldId id="258" r:id="rId4"/>
     <p:sldId id="292" r:id="rId5"/>
-    <p:sldId id="261" r:id="rId6"/>
-    <p:sldId id="262" r:id="rId7"/>
-    <p:sldId id="264" r:id="rId8"/>
-    <p:sldId id="266" r:id="rId9"/>
+    <p:sldId id="262" r:id="rId6"/>
+    <p:sldId id="264" r:id="rId7"/>
+    <p:sldId id="266" r:id="rId8"/>
+    <p:sldId id="269" r:id="rId9"/>
     <p:sldId id="267" r:id="rId10"/>
     <p:sldId id="268" r:id="rId11"/>
-    <p:sldId id="269" r:id="rId12"/>
+    <p:sldId id="302" r:id="rId12"/>
     <p:sldId id="300" r:id="rId13"/>
     <p:sldId id="301" r:id="rId14"/>
     <p:sldId id="298" r:id="rId15"/>
     <p:sldId id="271" r:id="rId16"/>
     <p:sldId id="290" r:id="rId17"/>
     <p:sldId id="275" r:id="rId18"/>
-    <p:sldId id="299" r:id="rId19"/>
+    <p:sldId id="303" r:id="rId19"/>
     <p:sldId id="277" r:id="rId20"/>
     <p:sldId id="280" r:id="rId21"/>
     <p:sldId id="294" r:id="rId22"/>
@@ -3213,7 +3213,7 @@
         <p:spPr/>
         <p:txBody>
           <a:bodyPr>
-            <a:normAutofit/>
+            <a:normAutofit fontScale="92500" lnSpcReduction="20000"/>
           </a:bodyPr>
           <a:lstStyle/>
           <a:p>
@@ -3223,39 +3223,45 @@
                   <a:srgbClr val="E46C0A"/>
                 </a:solidFill>
               </a:rPr>
-              <a:t>Multiple threads can still access the class's non-synchronized methods</a:t>
-            </a:r>
-          </a:p>
-          <a:p>
-            <a:pPr lvl="1"/>
+              <a:t>Whenever an object lock has been acquired by one thread, other threads can still access the class's non-synchronized methods. </a:t>
+            </a:r>
             <a:r>
               <a:rPr lang="en-US" dirty="0"/>
               <a:t>Methods that don't access critical data don’t need to be synchronized</a:t>
             </a:r>
           </a:p>
           <a:p>
+            <a:r>
+              <a:rPr lang="en-US" dirty="0"/>
+              <a:t>Details:</a:t>
+            </a:r>
+          </a:p>
+          <a:p>
             <a:pPr lvl="1"/>
             <a:r>
-              <a:rPr lang="en-US" dirty="0"/>
+              <a:rPr lang="en-US" dirty="0">
+                <a:solidFill>
+                  <a:schemeClr val="accent6">
+                    <a:lumMod val="75000"/>
+                  </a:schemeClr>
+                </a:solidFill>
+              </a:rPr>
               <a:t>Threads going to sleep don't release locks!</a:t>
             </a:r>
           </a:p>
           <a:p>
+            <a:pPr lvl="1"/>
             <a:r>
               <a:rPr lang="en-US" dirty="0">
                 <a:solidFill>
                   <a:srgbClr val="E46C0A"/>
                 </a:solidFill>
               </a:rPr>
-              <a:t>A thread can acquire more than one lock</a:t>
-            </a:r>
-            <a:endParaRPr lang="en-US" dirty="0"/>
-          </a:p>
-          <a:p>
-            <a:pPr lvl="1"/>
+              <a:t>A thread can acquire more than one lock. </a:t>
+            </a:r>
             <a:r>
               <a:rPr lang="en-US" dirty="0"/>
-              <a:t>e.g., a thread can enter a synchronized method, then immediately invoke a synchronized method on another object (deadlock prone!)</a:t>
+              <a:t>For example, a thread can enter a synchronized method, then immediately invoke a synchronized method on another object (deadlock prone!)</a:t>
             </a:r>
           </a:p>
           <a:p>
@@ -3310,7 +3316,7 @@
           <a:p>
             <a:r>
               <a:rPr lang="en-US" dirty="0"/>
-              <a:t>Synchronization and Locks</a:t>
+              <a:t>Synchronized code</a:t>
             </a:r>
           </a:p>
         </p:txBody>
@@ -3328,215 +3334,58 @@
         <p:spPr/>
         <p:txBody>
           <a:bodyPr>
-            <a:normAutofit/>
+            <a:normAutofit fontScale="92500"/>
           </a:bodyPr>
           <a:lstStyle/>
           <a:p>
-            <a:pPr marL="0" indent="0">
-              <a:buNone/>
-            </a:pPr>
-            <a:r>
-              <a:rPr lang="en-US" sz="2000" dirty="0">
-                <a:latin typeface="Consolas"/>
-                <a:cs typeface="Consolas"/>
-              </a:rPr>
-              <a:t>public synchronized void </a:t>
-            </a:r>
-            <a:r>
-              <a:rPr lang="en-US" sz="2000" dirty="0" err="1">
-                <a:latin typeface="Consolas"/>
-                <a:cs typeface="Consolas"/>
-              </a:rPr>
-              <a:t>doStuff</a:t>
-            </a:r>
-            <a:r>
-              <a:rPr lang="en-US" sz="2000" dirty="0">
-                <a:latin typeface="Consolas"/>
-                <a:cs typeface="Consolas"/>
-              </a:rPr>
-              <a:t>() { </a:t>
-            </a:r>
-          </a:p>
-          <a:p>
-            <a:pPr marL="0" indent="0">
-              <a:buNone/>
-            </a:pPr>
-            <a:r>
-              <a:rPr lang="en-US" sz="2000" dirty="0">
-                <a:latin typeface="Consolas"/>
-                <a:cs typeface="Consolas"/>
-              </a:rPr>
-              <a:t>	</a:t>
-            </a:r>
-            <a:r>
-              <a:rPr lang="en-US" sz="2000" dirty="0" err="1">
-                <a:latin typeface="Consolas"/>
-                <a:cs typeface="Consolas"/>
-              </a:rPr>
-              <a:t>System.out.println</a:t>
-            </a:r>
-            <a:r>
-              <a:rPr lang="en-US" sz="2000" dirty="0">
-                <a:latin typeface="Consolas"/>
-                <a:cs typeface="Consolas"/>
-              </a:rPr>
-              <a:t>("synchronized");</a:t>
-            </a:r>
-          </a:p>
-          <a:p>
-            <a:pPr marL="0" indent="0">
-              <a:buNone/>
-            </a:pPr>
-            <a:r>
-              <a:rPr lang="en-US" sz="2000" dirty="0">
-                <a:latin typeface="Consolas"/>
-                <a:cs typeface="Consolas"/>
-              </a:rPr>
-              <a:t>}</a:t>
-            </a:r>
-          </a:p>
-          <a:p>
-            <a:pPr marL="0" indent="0">
-              <a:buNone/>
-            </a:pPr>
-            <a:endParaRPr lang="en-US" sz="2400" dirty="0">
-              <a:latin typeface="Consolas"/>
-              <a:cs typeface="Consolas"/>
-            </a:endParaRPr>
-          </a:p>
-          <a:p>
-            <a:pPr marL="0" indent="0">
-              <a:buNone/>
-            </a:pPr>
-            <a:r>
-              <a:rPr lang="en-US" sz="2400" dirty="0">
-                <a:latin typeface="Calibri" panose="020F0502020204030204" pitchFamily="34" charset="0"/>
-                <a:cs typeface="Calibri" panose="020F0502020204030204" pitchFamily="34" charset="0"/>
-              </a:rPr>
-              <a:t>Is equivalent to</a:t>
-            </a:r>
-          </a:p>
-          <a:p>
-            <a:pPr marL="0" indent="0">
-              <a:buNone/>
-            </a:pPr>
-            <a:endParaRPr lang="en-US" sz="2400" dirty="0">
-              <a:latin typeface="Consolas"/>
-              <a:cs typeface="Consolas"/>
-            </a:endParaRPr>
-          </a:p>
-          <a:p>
-            <a:pPr marL="0" indent="0">
-              <a:buNone/>
-            </a:pPr>
-            <a:r>
-              <a:rPr lang="en-US" sz="2000" dirty="0">
-                <a:latin typeface="Consolas"/>
-                <a:cs typeface="Consolas"/>
-              </a:rPr>
-              <a:t>public void </a:t>
-            </a:r>
-            <a:r>
-              <a:rPr lang="en-US" sz="2000" dirty="0" err="1">
-                <a:latin typeface="Consolas"/>
-                <a:cs typeface="Consolas"/>
-              </a:rPr>
-              <a:t>doStuff</a:t>
-            </a:r>
-            <a:r>
-              <a:rPr lang="en-US" sz="2000" dirty="0">
-                <a:latin typeface="Consolas"/>
-                <a:cs typeface="Consolas"/>
-              </a:rPr>
-              <a:t>() { </a:t>
-            </a:r>
-          </a:p>
-          <a:p>
-            <a:pPr marL="0" indent="0">
-              <a:buNone/>
-            </a:pPr>
-            <a:r>
-              <a:rPr lang="en-US" sz="2000" dirty="0">
-                <a:latin typeface="Consolas"/>
-                <a:cs typeface="Consolas"/>
-              </a:rPr>
-              <a:t>	synchronized(this) {</a:t>
-            </a:r>
-          </a:p>
-          <a:p>
-            <a:pPr marL="0" indent="0">
-              <a:buNone/>
-            </a:pPr>
-            <a:r>
-              <a:rPr lang="en-US" sz="2000" dirty="0">
-                <a:latin typeface="Consolas"/>
-                <a:cs typeface="Consolas"/>
-              </a:rPr>
-              <a:t>		</a:t>
-            </a:r>
-            <a:r>
-              <a:rPr lang="en-US" sz="2000" dirty="0" err="1">
-                <a:latin typeface="Consolas"/>
-                <a:cs typeface="Consolas"/>
-              </a:rPr>
-              <a:t>System.out.println</a:t>
-            </a:r>
-            <a:r>
-              <a:rPr lang="en-US" sz="2000" dirty="0">
-                <a:latin typeface="Consolas"/>
-                <a:cs typeface="Consolas"/>
-              </a:rPr>
-              <a:t>("synchronized");</a:t>
-            </a:r>
-          </a:p>
-          <a:p>
-            <a:pPr marL="0" indent="0">
-              <a:buNone/>
-            </a:pPr>
-            <a:r>
-              <a:rPr lang="en-US" sz="2000" dirty="0">
-                <a:latin typeface="Consolas"/>
-                <a:cs typeface="Consolas"/>
-              </a:rPr>
-              <a:t>	}  </a:t>
-            </a:r>
-          </a:p>
-          <a:p>
-            <a:pPr marL="0" indent="0">
-              <a:buNone/>
-            </a:pPr>
-            <a:r>
-              <a:rPr lang="en-US" sz="2000" dirty="0">
-                <a:latin typeface="Consolas"/>
-                <a:cs typeface="Consolas"/>
-              </a:rPr>
-              <a:t>}</a:t>
-            </a:r>
-          </a:p>
-          <a:p>
-            <a:pPr marL="0" indent="0">
-              <a:buNone/>
-            </a:pPr>
-            <a:endParaRPr lang="en-US" sz="2000" dirty="0">
-              <a:latin typeface="Consolas"/>
-              <a:cs typeface="Consolas"/>
-            </a:endParaRPr>
-          </a:p>
-          <a:p>
-            <a:pPr marL="0" indent="0">
-              <a:buNone/>
-            </a:pPr>
-            <a:endParaRPr lang="en-US" sz="2400" dirty="0">
-              <a:latin typeface="Consolas"/>
-              <a:cs typeface="Consolas"/>
-            </a:endParaRPr>
+            <a:r>
+              <a:rPr lang="en-US" dirty="0"/>
+              <a:t>Despite threads can be used for solving a number of real-world problems, most of them can be conceptually assimilated to two main patterns:</a:t>
+            </a:r>
+          </a:p>
+          <a:p>
+            <a:pPr lvl="1"/>
+            <a:r>
+              <a:rPr lang="en-US" dirty="0">
+                <a:solidFill>
+                  <a:schemeClr val="accent6">
+                    <a:lumMod val="75000"/>
+                  </a:schemeClr>
+                </a:solidFill>
+              </a:rPr>
+              <a:t>The producer-consumer pattern</a:t>
+            </a:r>
+            <a:r>
+              <a:rPr lang="en-US" dirty="0"/>
+              <a:t>, where the producer thread pushes elements into a shared object and the consumer thread fetches (consumes) them</a:t>
+            </a:r>
+          </a:p>
+          <a:p>
+            <a:pPr lvl="1"/>
+            <a:r>
+              <a:rPr lang="en-US" dirty="0">
+                <a:solidFill>
+                  <a:schemeClr val="accent6">
+                    <a:lumMod val="75000"/>
+                  </a:schemeClr>
+                </a:solidFill>
+              </a:rPr>
+              <a:t>The manager-worker pattern</a:t>
+            </a:r>
+            <a:r>
+              <a:rPr lang="en-US" dirty="0"/>
+              <a:t>, where a manager decomposes a complex task into subtask, and assigns them to worker threads. </a:t>
+            </a:r>
+          </a:p>
+          <a:p>
+            <a:endParaRPr lang="en-US" dirty="0"/>
           </a:p>
         </p:txBody>
       </p:sp>
     </p:spTree>
     <p:extLst>
       <p:ext uri="{BB962C8B-B14F-4D97-AF65-F5344CB8AC3E}">
-        <p14:creationId xmlns:p14="http://schemas.microsoft.com/office/powerpoint/2010/main" val="2241056727"/>
+        <p14:creationId xmlns:p14="http://schemas.microsoft.com/office/powerpoint/2010/main" val="2365717911"/>
       </p:ext>
     </p:extLst>
   </p:cSld>
@@ -3586,7 +3435,7 @@
           <a:p>
             <a:r>
               <a:rPr lang="it-IT" dirty="0"/>
-              <a:t>Producer Consumer Pattern</a:t>
+              <a:t>Producer Consumer</a:t>
             </a:r>
           </a:p>
         </p:txBody>
@@ -4607,10 +4456,7 @@
               <a:rPr lang="it-IT" dirty="0" err="1"/>
               <a:t>Workers</a:t>
             </a:r>
-            <a:r>
-              <a:rPr lang="it-IT" dirty="0"/>
-              <a:t> Pattern</a:t>
-            </a:r>
+            <a:endParaRPr lang="it-IT" dirty="0"/>
           </a:p>
         </p:txBody>
       </p:sp>
@@ -6324,60 +6170,55 @@
         <p:spPr/>
         <p:txBody>
           <a:bodyPr>
-            <a:normAutofit fontScale="92500" lnSpcReduction="10000"/>
+            <a:normAutofit/>
           </a:bodyPr>
           <a:lstStyle/>
           <a:p>
             <a:r>
-              <a:rPr lang="en-US" dirty="0"/>
-              <a:t>The most common problem of concurrent access is the producer-consumer problem</a:t>
+              <a:rPr lang="en-US" sz="2800" dirty="0"/>
+              <a:t>There are two main ways to grant atomic access to a shared object:</a:t>
             </a:r>
           </a:p>
           <a:p>
             <a:pPr lvl="1"/>
             <a:r>
-              <a:rPr lang="en-US" dirty="0"/>
-              <a:t>The producer thread pushes elements into a shared object. The consumer thread fetches them</a:t>
-            </a:r>
-          </a:p>
-          <a:p>
-            <a:r>
-              <a:rPr lang="en-US" dirty="0"/>
-              <a:t>There are several ways to synchronize access to a shared object. Basically:</a:t>
-            </a:r>
-          </a:p>
-          <a:p>
-            <a:pPr lvl="1"/>
-            <a:r>
-              <a:rPr lang="en-US" dirty="0">
+              <a:rPr lang="en-US" sz="2400" dirty="0">
                 <a:solidFill>
                   <a:srgbClr val="E46C0A"/>
                 </a:solidFill>
               </a:rPr>
-              <a:t>Use thread-safe classes as shared objects</a:t>
-            </a:r>
-            <a:r>
-              <a:rPr lang="en-US" dirty="0"/>
-              <a:t> (they use synchronized on their methods)</a:t>
+              <a:t>Use synchronize explicitly </a:t>
+            </a:r>
+            <a:r>
+              <a:rPr lang="en-US" sz="2400" dirty="0"/>
+              <a:t>to lock the shared object within the threads code (@see Account example)</a:t>
             </a:r>
           </a:p>
           <a:p>
             <a:pPr lvl="1"/>
             <a:r>
-              <a:rPr lang="en-US" dirty="0">
+              <a:rPr lang="en-US" sz="2400" dirty="0">
                 <a:solidFill>
                   <a:srgbClr val="E46C0A"/>
                 </a:solidFill>
               </a:rPr>
-              <a:t>Use synchronize in producers and consumers </a:t>
-            </a:r>
-            <a:r>
-              <a:rPr lang="en-US" dirty="0"/>
-              <a:t>to lock the shared object </a:t>
-            </a:r>
-          </a:p>
-          <a:p>
-            <a:endParaRPr lang="en-US" dirty="0"/>
+              <a:t>Use a thread-safe class as shared objects</a:t>
+            </a:r>
+            <a:r>
+              <a:rPr lang="en-US" sz="2400" dirty="0"/>
+              <a:t> (they use synchronized on their methods) (@see </a:t>
+            </a:r>
+            <a:r>
+              <a:rPr lang="en-US" sz="2400" dirty="0" err="1"/>
+              <a:t>GranularityExample</a:t>
+            </a:r>
+            <a:r>
+              <a:rPr lang="en-US" sz="2400" dirty="0"/>
+              <a:t>)</a:t>
+            </a:r>
+          </a:p>
+          <a:p>
+            <a:endParaRPr lang="en-US" sz="2800" dirty="0"/>
           </a:p>
         </p:txBody>
       </p:sp>
@@ -6453,11 +6294,11 @@
           <a:lstStyle/>
           <a:p>
             <a:r>
-              <a:rPr lang="en-US" dirty="0"/>
+              <a:rPr lang="en-US" sz="2800" dirty="0"/>
               <a:t>A </a:t>
             </a:r>
             <a:r>
-              <a:rPr lang="en-US" dirty="0">
+              <a:rPr lang="en-US" sz="2800" dirty="0">
                 <a:solidFill>
                   <a:srgbClr val="E46C0A"/>
                 </a:solidFill>
@@ -6465,11 +6306,11 @@
               <a:t>thread-safe class </a:t>
             </a:r>
             <a:r>
-              <a:rPr lang="en-US" dirty="0"/>
-              <a:t>is class that is safe (works properly) when accessed by multiple threads. Critical sections (i.e., sections containing race conditions) are encapsulated in </a:t>
-            </a:r>
-            <a:r>
-              <a:rPr lang="en-US" dirty="0">
+              <a:rPr lang="en-US" sz="2800" dirty="0"/>
+              <a:t>is class that is safe (works properly) when accessed by multiple threads. Critical sections (i.e., sections possibly generating race conditions) are encapsulated in </a:t>
+            </a:r>
+            <a:r>
+              <a:rPr lang="en-US" sz="2800" dirty="0">
                 <a:solidFill>
                   <a:srgbClr val="E46C0A"/>
                 </a:solidFill>
@@ -6477,50 +6318,80 @@
               <a:t>synchronized methods</a:t>
             </a:r>
             <a:r>
+              <a:rPr lang="en-US" sz="2800" dirty="0"/>
+              <a:t>.</a:t>
+            </a:r>
+          </a:p>
+          <a:p>
+            <a:pPr lvl="1"/>
+            <a:r>
               <a:rPr lang="en-US" dirty="0"/>
-              <a:t>.</a:t>
+              <a:t>Interface List: </a:t>
+            </a:r>
+            <a:r>
+              <a:rPr lang="en-US" dirty="0" err="1"/>
+              <a:t>ArrayList</a:t>
+            </a:r>
+            <a:r>
+              <a:rPr lang="en-US" dirty="0"/>
+              <a:t> (unsafe), </a:t>
+            </a:r>
+            <a:r>
+              <a:rPr lang="en-US" dirty="0">
+                <a:solidFill>
+                  <a:schemeClr val="accent6">
+                    <a:lumMod val="75000"/>
+                  </a:schemeClr>
+                </a:solidFill>
+              </a:rPr>
+              <a:t>Vector (safe)</a:t>
             </a:r>
           </a:p>
           <a:p>
             <a:pPr lvl="1"/>
+            <a:r>
+              <a:rPr lang="en-US" dirty="0"/>
+              <a:t>Interface Queue: LinkedList (unsafe), </a:t>
+            </a:r>
             <a:r>
               <a:rPr lang="en-US" dirty="0" err="1">
                 <a:solidFill>
-                  <a:srgbClr val="E46C0A"/>
+                  <a:schemeClr val="accent6">
+                    <a:lumMod val="75000"/>
+                  </a:schemeClr>
                 </a:solidFill>
               </a:rPr>
-              <a:t>ArrayList</a:t>
+              <a:t>ConcurrentLinkedQueue</a:t>
             </a:r>
             <a:r>
               <a:rPr lang="en-US" dirty="0">
                 <a:solidFill>
-                  <a:srgbClr val="E46C0A"/>
+                  <a:schemeClr val="accent6">
+                    <a:lumMod val="75000"/>
+                  </a:schemeClr>
                 </a:solidFill>
               </a:rPr>
-              <a:t> is thread unsafe!</a:t>
-            </a:r>
-          </a:p>
-          <a:p>
-            <a:pPr lvl="1"/>
+              <a:t> (safe), </a:t>
+            </a:r>
+            <a:r>
+              <a:rPr lang="en-US" dirty="0" err="1">
+                <a:solidFill>
+                  <a:schemeClr val="accent6">
+                    <a:lumMod val="75000"/>
+                  </a:schemeClr>
+                </a:solidFill>
+              </a:rPr>
+              <a:t>ArrayBlockingQueue</a:t>
+            </a:r>
             <a:r>
               <a:rPr lang="en-US" dirty="0">
                 <a:solidFill>
-                  <a:srgbClr val="E46C0A"/>
+                  <a:schemeClr val="accent6">
+                    <a:lumMod val="75000"/>
+                  </a:schemeClr>
                 </a:solidFill>
               </a:rPr>
-              <a:t>Vector is a thread-safe </a:t>
-            </a:r>
-            <a:r>
-              <a:rPr lang="en-US" dirty="0"/>
-              <a:t>equivalent of </a:t>
-            </a:r>
-            <a:r>
-              <a:rPr lang="en-US" dirty="0" err="1"/>
-              <a:t>ArrayList</a:t>
-            </a:r>
-            <a:r>
-              <a:rPr lang="en-US" dirty="0"/>
-              <a:t> (all methods are synchronized)</a:t>
+              <a:t> (safe)</a:t>
             </a:r>
           </a:p>
         </p:txBody>
@@ -6598,75 +6469,194 @@
           </a:bodyPr>
           <a:lstStyle/>
           <a:p>
+            <a:r>
+              <a:rPr lang="en-US" sz="2000" dirty="0"/>
+              <a:t>Return a synchronized (thread-safe) Collection/Map backed by the specified Collection/Map. In order to guarantee serial access, it is critical that all access to the backing Collection/Map is accomplished through the returned Collection/Map.</a:t>
+            </a:r>
+            <a:r>
+              <a:rPr lang="en-US" sz="2000" b="1" dirty="0"/>
+              <a:t> </a:t>
+            </a:r>
+          </a:p>
+          <a:p>
+            <a:r>
+              <a:rPr lang="en-US" sz="2000" dirty="0">
+                <a:solidFill>
+                  <a:schemeClr val="accent6">
+                    <a:lumMod val="75000"/>
+                  </a:schemeClr>
+                </a:solidFill>
+              </a:rPr>
+              <a:t>It is imperative that the user manually synchronize on the returned Collection/Map when iterating over it! </a:t>
+            </a:r>
+            <a:r>
+              <a:rPr lang="en-US" sz="2000" dirty="0">
+                <a:solidFill>
+                  <a:srgbClr val="E46C0A"/>
+                </a:solidFill>
+              </a:rPr>
+              <a:t>Failure to follow this advice may result in non-deterministic behavior.</a:t>
+            </a:r>
+          </a:p>
+          <a:p>
             <a:pPr marL="0" indent="0">
               <a:buNone/>
             </a:pPr>
-            <a:r>
-              <a:rPr lang="en-US" sz="1600" dirty="0"/>
-              <a:t>public static &lt;T&gt; List&lt;T&gt; </a:t>
-            </a:r>
-            <a:r>
-              <a:rPr lang="en-US" sz="1600" dirty="0" err="1"/>
-              <a:t>synchronizedList</a:t>
-            </a:r>
-            <a:r>
-              <a:rPr lang="en-US" sz="1600" dirty="0"/>
-              <a:t>(List&lt;T&gt; list)</a:t>
-            </a:r>
+            <a:endParaRPr lang="en-US" sz="1800" b="1" dirty="0"/>
           </a:p>
           <a:p>
             <a:pPr marL="0" indent="0">
               <a:buNone/>
             </a:pPr>
-            <a:endParaRPr lang="en-US" sz="1600" dirty="0"/>
+            <a:r>
+              <a:rPr lang="en-US" sz="1600" dirty="0">
+                <a:latin typeface="Consolas" panose="020B0609020204030204" pitchFamily="49" charset="0"/>
+                <a:cs typeface="Consolas" panose="020B0609020204030204" pitchFamily="49" charset="0"/>
+              </a:rPr>
+              <a:t>List list = </a:t>
+            </a:r>
+            <a:r>
+              <a:rPr lang="en-US" sz="1600" dirty="0" err="1">
+                <a:latin typeface="Consolas" panose="020B0609020204030204" pitchFamily="49" charset="0"/>
+                <a:cs typeface="Consolas" panose="020B0609020204030204" pitchFamily="49" charset="0"/>
+              </a:rPr>
+              <a:t>Collections.synchronizedList</a:t>
+            </a:r>
+            <a:r>
+              <a:rPr lang="en-US" sz="1600" dirty="0">
+                <a:latin typeface="Consolas" panose="020B0609020204030204" pitchFamily="49" charset="0"/>
+                <a:cs typeface="Consolas" panose="020B0609020204030204" pitchFamily="49" charset="0"/>
+              </a:rPr>
+              <a:t>(new </a:t>
+            </a:r>
+            <a:r>
+              <a:rPr lang="en-US" sz="1600" dirty="0" err="1">
+                <a:latin typeface="Consolas" panose="020B0609020204030204" pitchFamily="49" charset="0"/>
+                <a:cs typeface="Consolas" panose="020B0609020204030204" pitchFamily="49" charset="0"/>
+              </a:rPr>
+              <a:t>ArrayList</a:t>
+            </a:r>
+            <a:r>
+              <a:rPr lang="en-US" sz="1600" dirty="0">
+                <a:latin typeface="Consolas" panose="020B0609020204030204" pitchFamily="49" charset="0"/>
+                <a:cs typeface="Consolas" panose="020B0609020204030204" pitchFamily="49" charset="0"/>
+              </a:rPr>
+              <a:t>());</a:t>
+            </a:r>
           </a:p>
           <a:p>
             <a:pPr marL="0" indent="0">
               <a:buNone/>
             </a:pPr>
             <a:r>
-              <a:rPr lang="en-US" sz="1600" dirty="0"/>
-              <a:t>Returns a synchronized (thread-safe) list backed by the specified list. In order to guarantee serial access, it is critical that all access to the backing list is accomplished through the returned list.</a:t>
-            </a:r>
-            <a:endParaRPr lang="en-US" sz="1600" b="1" dirty="0"/>
+              <a:rPr lang="en-US" sz="1600" dirty="0">
+                <a:latin typeface="Consolas" panose="020B0609020204030204" pitchFamily="49" charset="0"/>
+                <a:cs typeface="Consolas" panose="020B0609020204030204" pitchFamily="49" charset="0"/>
+              </a:rPr>
+              <a:t>      ...</a:t>
+            </a:r>
           </a:p>
           <a:p>
             <a:pPr marL="0" indent="0">
               <a:buNone/>
             </a:pPr>
             <a:r>
-              <a:rPr lang="en-US" sz="1600" b="1" dirty="0"/>
-              <a:t>It is imperative that the user manually synchronize on the returned list when iterating over it:</a:t>
+              <a:rPr lang="en-US" sz="1600" dirty="0">
+                <a:latin typeface="Consolas" panose="020B0609020204030204" pitchFamily="49" charset="0"/>
+                <a:cs typeface="Consolas" panose="020B0609020204030204" pitchFamily="49" charset="0"/>
+              </a:rPr>
+              <a:t>synchronized (list) {</a:t>
             </a:r>
           </a:p>
           <a:p>
             <a:pPr marL="0" indent="0">
               <a:buNone/>
             </a:pPr>
-            <a:endParaRPr lang="en-US" sz="1600" b="1" dirty="0"/>
+            <a:r>
+              <a:rPr lang="en-US" sz="1600" dirty="0">
+                <a:latin typeface="Consolas" panose="020B0609020204030204" pitchFamily="49" charset="0"/>
+                <a:cs typeface="Consolas" panose="020B0609020204030204" pitchFamily="49" charset="0"/>
+              </a:rPr>
+              <a:t>    Iterator </a:t>
+            </a:r>
+            <a:r>
+              <a:rPr lang="en-US" sz="1600" dirty="0" err="1">
+                <a:latin typeface="Consolas" panose="020B0609020204030204" pitchFamily="49" charset="0"/>
+                <a:cs typeface="Consolas" panose="020B0609020204030204" pitchFamily="49" charset="0"/>
+              </a:rPr>
+              <a:t>i</a:t>
+            </a:r>
+            <a:r>
+              <a:rPr lang="en-US" sz="1600" dirty="0">
+                <a:latin typeface="Consolas" panose="020B0609020204030204" pitchFamily="49" charset="0"/>
+                <a:cs typeface="Consolas" panose="020B0609020204030204" pitchFamily="49" charset="0"/>
+              </a:rPr>
+              <a:t> = </a:t>
+            </a:r>
+            <a:r>
+              <a:rPr lang="en-US" sz="1600" dirty="0" err="1">
+                <a:latin typeface="Consolas" panose="020B0609020204030204" pitchFamily="49" charset="0"/>
+                <a:cs typeface="Consolas" panose="020B0609020204030204" pitchFamily="49" charset="0"/>
+              </a:rPr>
+              <a:t>list.iterator</a:t>
+            </a:r>
+            <a:r>
+              <a:rPr lang="en-US" sz="1600" dirty="0">
+                <a:latin typeface="Consolas" panose="020B0609020204030204" pitchFamily="49" charset="0"/>
+                <a:cs typeface="Consolas" panose="020B0609020204030204" pitchFamily="49" charset="0"/>
+              </a:rPr>
+              <a:t>(); // Must be in synchronized block</a:t>
+            </a:r>
           </a:p>
           <a:p>
             <a:pPr marL="0" indent="0">
               <a:buNone/>
             </a:pPr>
             <a:r>
-              <a:rPr lang="en-US" sz="1600" b="1" dirty="0"/>
-              <a:t>  List list = </a:t>
-            </a:r>
-            <a:r>
-              <a:rPr lang="en-US" sz="1600" b="1" dirty="0" err="1"/>
-              <a:t>Collections.synchronizedList</a:t>
-            </a:r>
-            <a:r>
-              <a:rPr lang="en-US" sz="1600" b="1" dirty="0"/>
-              <a:t>(new </a:t>
-            </a:r>
-            <a:r>
-              <a:rPr lang="en-US" sz="1600" b="1" dirty="0" err="1"/>
-              <a:t>ArrayList</a:t>
-            </a:r>
-            <a:r>
-              <a:rPr lang="en-US" sz="1600" b="1" dirty="0"/>
+              <a:rPr lang="en-US" sz="1600" dirty="0">
+                <a:latin typeface="Consolas" panose="020B0609020204030204" pitchFamily="49" charset="0"/>
+                <a:cs typeface="Consolas" panose="020B0609020204030204" pitchFamily="49" charset="0"/>
+              </a:rPr>
+              <a:t>    while (</a:t>
+            </a:r>
+            <a:r>
+              <a:rPr lang="en-US" sz="1600" dirty="0" err="1">
+                <a:latin typeface="Consolas" panose="020B0609020204030204" pitchFamily="49" charset="0"/>
+                <a:cs typeface="Consolas" panose="020B0609020204030204" pitchFamily="49" charset="0"/>
+              </a:rPr>
+              <a:t>i.hasNext</a:t>
+            </a:r>
+            <a:r>
+              <a:rPr lang="en-US" sz="1600" dirty="0">
+                <a:latin typeface="Consolas" panose="020B0609020204030204" pitchFamily="49" charset="0"/>
+                <a:cs typeface="Consolas" panose="020B0609020204030204" pitchFamily="49" charset="0"/>
+              </a:rPr>
+              <a:t>())</a:t>
+            </a:r>
+          </a:p>
+          <a:p>
+            <a:pPr marL="0" indent="0">
+              <a:buNone/>
+            </a:pPr>
+            <a:r>
+              <a:rPr lang="en-US" sz="1600" dirty="0">
+                <a:latin typeface="Consolas" panose="020B0609020204030204" pitchFamily="49" charset="0"/>
+                <a:cs typeface="Consolas" panose="020B0609020204030204" pitchFamily="49" charset="0"/>
+              </a:rPr>
+              <a:t>        foo(</a:t>
+            </a:r>
+            <a:r>
+              <a:rPr lang="en-US" sz="1600" dirty="0" err="1">
+                <a:latin typeface="Consolas" panose="020B0609020204030204" pitchFamily="49" charset="0"/>
+                <a:cs typeface="Consolas" panose="020B0609020204030204" pitchFamily="49" charset="0"/>
+              </a:rPr>
+              <a:t>i.next</a:t>
+            </a:r>
+            <a:r>
+              <a:rPr lang="en-US" sz="1600" dirty="0">
+                <a:latin typeface="Consolas" panose="020B0609020204030204" pitchFamily="49" charset="0"/>
+                <a:cs typeface="Consolas" panose="020B0609020204030204" pitchFamily="49" charset="0"/>
+              </a:rPr>
               <a:t>());</a:t>
             </a:r>
           </a:p>
@@ -6675,93 +6665,18 @@
               <a:buNone/>
             </a:pPr>
             <a:r>
-              <a:rPr lang="en-US" sz="1600" b="1" dirty="0"/>
-              <a:t>      ...</a:t>
+              <a:rPr lang="en-US" sz="1600" dirty="0">
+                <a:latin typeface="Consolas" panose="020B0609020204030204" pitchFamily="49" charset="0"/>
+                <a:cs typeface="Consolas" panose="020B0609020204030204" pitchFamily="49" charset="0"/>
+              </a:rPr>
+              <a:t>}</a:t>
             </a:r>
           </a:p>
           <a:p>
             <a:pPr marL="0" indent="0">
               <a:buNone/>
             </a:pPr>
-            <a:r>
-              <a:rPr lang="en-US" sz="1600" b="1" dirty="0"/>
-              <a:t>  synchronized (list) {</a:t>
-            </a:r>
-          </a:p>
-          <a:p>
-            <a:pPr marL="0" indent="0">
-              <a:buNone/>
-            </a:pPr>
-            <a:r>
-              <a:rPr lang="en-US" sz="1600" b="1" dirty="0"/>
-              <a:t>      Iterator </a:t>
-            </a:r>
-            <a:r>
-              <a:rPr lang="en-US" sz="1600" b="1" dirty="0" err="1"/>
-              <a:t>i</a:t>
-            </a:r>
-            <a:r>
-              <a:rPr lang="en-US" sz="1600" b="1" dirty="0"/>
-              <a:t> = </a:t>
-            </a:r>
-            <a:r>
-              <a:rPr lang="en-US" sz="1600" b="1" dirty="0" err="1"/>
-              <a:t>list.iterator</a:t>
-            </a:r>
-            <a:r>
-              <a:rPr lang="en-US" sz="1600" b="1" dirty="0"/>
-              <a:t>(); // Must be in synchronized block</a:t>
-            </a:r>
-          </a:p>
-          <a:p>
-            <a:pPr marL="0" indent="0">
-              <a:buNone/>
-            </a:pPr>
-            <a:r>
-              <a:rPr lang="en-US" sz="1600" b="1" dirty="0"/>
-              <a:t>      while (</a:t>
-            </a:r>
-            <a:r>
-              <a:rPr lang="en-US" sz="1600" b="1" dirty="0" err="1"/>
-              <a:t>i.hasNext</a:t>
-            </a:r>
-            <a:r>
-              <a:rPr lang="en-US" sz="1600" b="1" dirty="0"/>
-              <a:t>())</a:t>
-            </a:r>
-          </a:p>
-          <a:p>
-            <a:pPr marL="0" indent="0">
-              <a:buNone/>
-            </a:pPr>
-            <a:r>
-              <a:rPr lang="en-US" sz="1600" b="1" dirty="0"/>
-              <a:t>          foo(</a:t>
-            </a:r>
-            <a:r>
-              <a:rPr lang="en-US" sz="1600" b="1" dirty="0" err="1"/>
-              <a:t>i.next</a:t>
-            </a:r>
-            <a:r>
-              <a:rPr lang="en-US" sz="1600" b="1" dirty="0"/>
-              <a:t>());</a:t>
-            </a:r>
-          </a:p>
-          <a:p>
-            <a:pPr marL="0" indent="0">
-              <a:buNone/>
-            </a:pPr>
-            <a:r>
-              <a:rPr lang="en-US" sz="1600" b="1" dirty="0"/>
-              <a:t>  }</a:t>
-            </a:r>
-            <a:endParaRPr lang="en-US" sz="1600" dirty="0"/>
-          </a:p>
-          <a:p>
-            <a:pPr marL="0" indent="0">
-              <a:buNone/>
-            </a:pPr>
-            <a:endParaRPr lang="en-US" sz="1600" dirty="0">
+            <a:endParaRPr lang="en-US" sz="1800" dirty="0">
               <a:solidFill>
                 <a:srgbClr val="E46C0A"/>
               </a:solidFill>
@@ -6771,20 +6686,7 @@
             <a:pPr marL="0" indent="0">
               <a:buNone/>
             </a:pPr>
-            <a:r>
-              <a:rPr lang="en-US" sz="1600" dirty="0">
-                <a:solidFill>
-                  <a:srgbClr val="E46C0A"/>
-                </a:solidFill>
-              </a:rPr>
-              <a:t>Failure to follow this advice may result in non-deterministic behavior.</a:t>
-            </a:r>
-          </a:p>
-          <a:p>
-            <a:pPr marL="0" indent="0">
-              <a:buNone/>
-            </a:pPr>
-            <a:endParaRPr lang="en-US" sz="1600" dirty="0"/>
+            <a:endParaRPr lang="en-US" sz="1800" dirty="0"/>
           </a:p>
         </p:txBody>
       </p:sp>
@@ -6860,39 +6762,42 @@
           <a:lstStyle/>
           <a:p>
             <a:r>
-              <a:rPr lang="en-US" dirty="0"/>
-              <a:t>Producers and consumers might be able to lock (acquire exclusive access) a shared resource but still be unable to progress.</a:t>
+              <a:rPr lang="en-US" sz="2600" dirty="0">
+                <a:solidFill>
+                  <a:schemeClr val="accent6">
+                    <a:lumMod val="75000"/>
+                  </a:schemeClr>
+                </a:solidFill>
+              </a:rPr>
+              <a:t>Threads might be able to acquire exclusive access a shared resource but still be unable to progress. </a:t>
+            </a:r>
+            <a:r>
+              <a:rPr lang="en-US" sz="2600" dirty="0"/>
+              <a:t>For example, a producer with a full queue, a consumer with an empty queue</a:t>
+            </a:r>
+          </a:p>
+          <a:p>
+            <a:r>
+              <a:rPr lang="en-US" sz="2600" dirty="0"/>
+              <a:t>To avoid waste of computational resources we can use:</a:t>
             </a:r>
           </a:p>
           <a:p>
             <a:pPr lvl="1"/>
             <a:r>
-              <a:rPr lang="en-US" dirty="0"/>
-              <a:t>E.g., a producer with a full queue, a consumer with an empty queue</a:t>
-            </a:r>
-          </a:p>
-          <a:p>
-            <a:r>
-              <a:rPr lang="en-US" dirty="0"/>
-              <a:t>To avoid a waste of resources we can use:</a:t>
+              <a:rPr lang="en-US" sz="2600" dirty="0"/>
+              <a:t>yield()</a:t>
             </a:r>
           </a:p>
           <a:p>
             <a:pPr lvl="1"/>
             <a:r>
-              <a:rPr lang="en-US" dirty="0"/>
-              <a:t>yield()</a:t>
-            </a:r>
-          </a:p>
-          <a:p>
-            <a:pPr lvl="1"/>
-            <a:r>
-              <a:rPr lang="en-US" dirty="0"/>
+              <a:rPr lang="en-US" sz="2600" dirty="0"/>
               <a:t>wait()/notify()</a:t>
             </a:r>
           </a:p>
           <a:p>
-            <a:endParaRPr lang="en-US" dirty="0"/>
+            <a:endParaRPr lang="en-US" sz="2600" dirty="0"/>
           </a:p>
         </p:txBody>
       </p:sp>
@@ -6943,7 +6848,7 @@
           <a:p>
             <a:r>
               <a:rPr lang="en-US" dirty="0"/>
-              <a:t>Synchronization using Object</a:t>
+              <a:t>yield()</a:t>
             </a:r>
           </a:p>
         </p:txBody>
@@ -6955,92 +6860,37 @@
             <a:spLocks noGrp="1"/>
           </p:cNvSpPr>
           <p:nvPr>
-            <p:ph idx="1"/>
+            <p:ph sz="half" idx="1"/>
           </p:nvPr>
         </p:nvSpPr>
         <p:spPr/>
         <p:txBody>
           <a:bodyPr>
-            <a:normAutofit fontScale="92500" lnSpcReduction="10000"/>
+            <a:normAutofit lnSpcReduction="10000"/>
           </a:bodyPr>
           <a:lstStyle/>
           <a:p>
-            <a:r>
-              <a:rPr lang="en-US" dirty="0"/>
-              <a:t>void  </a:t>
-            </a:r>
             <a:r>
               <a:rPr lang="en-US" dirty="0">
                 <a:solidFill>
-                  <a:srgbClr val="F79646"/>
+                  <a:srgbClr val="E46C0A"/>
                 </a:solidFill>
               </a:rPr>
-              <a:t>wait()</a:t>
+              <a:t>The method yield() make the currently running thread back to Runnable state</a:t>
             </a:r>
           </a:p>
           <a:p>
             <a:pPr lvl="1"/>
             <a:r>
               <a:rPr lang="en-US" dirty="0"/>
-              <a:t>Causes current thread to wait until another thread invokes the notify() method or the </a:t>
-            </a:r>
-            <a:r>
-              <a:rPr lang="en-US" dirty="0" err="1"/>
-              <a:t>notifyAll</a:t>
-            </a:r>
+              <a:t>It allows other threads to get their turn</a:t>
+            </a:r>
+          </a:p>
+          <a:p>
+            <a:pPr lvl="1"/>
             <a:r>
               <a:rPr lang="en-US" dirty="0"/>
-              <a:t>() method for this object.</a:t>
-            </a:r>
-          </a:p>
-          <a:p>
-            <a:r>
-              <a:rPr lang="en-US" dirty="0"/>
-              <a:t>void  </a:t>
-            </a:r>
-            <a:r>
-              <a:rPr lang="en-US" dirty="0">
-                <a:solidFill>
-                  <a:srgbClr val="F79646"/>
-                </a:solidFill>
-              </a:rPr>
-              <a:t>notify()</a:t>
-            </a:r>
-          </a:p>
-          <a:p>
-            <a:pPr lvl="1"/>
-            <a:r>
-              <a:rPr lang="en-US" dirty="0"/>
-              <a:t>Wakes up a single thread that is waiting on the object's lock.</a:t>
-            </a:r>
-          </a:p>
-          <a:p>
-            <a:r>
-              <a:rPr lang="en-US" dirty="0"/>
-              <a:t>void  </a:t>
-            </a:r>
-            <a:r>
-              <a:rPr lang="en-US" dirty="0" err="1">
-                <a:solidFill>
-                  <a:srgbClr val="F79646"/>
-                </a:solidFill>
-              </a:rPr>
-              <a:t>notifyAll</a:t>
-            </a:r>
-            <a:r>
-              <a:rPr lang="en-US" dirty="0">
-                <a:solidFill>
-                  <a:srgbClr val="F79646"/>
-                </a:solidFill>
-              </a:rPr>
-              <a:t>()</a:t>
-            </a:r>
-          </a:p>
-          <a:p>
-            <a:pPr lvl="1"/>
-            <a:r>
-              <a:rPr lang="en-US" dirty="0"/>
-              <a:t>Wakes up all threads that are waiting on this object's lock.</a:t>
+              <a:t>However, it might have no effect at all. In fact, there's no guarantee the yielding thread won't be scheduled again for execution. </a:t>
             </a:r>
           </a:p>
           <a:p>
@@ -7048,10 +6898,35 @@
           </a:p>
         </p:txBody>
       </p:sp>
+      <p:pic>
+        <p:nvPicPr>
+          <p:cNvPr id="5" name="Content Placeholder 4" descr="thread-yield.jpg"/>
+          <p:cNvPicPr>
+            <a:picLocks noGrp="1" noChangeAspect="1"/>
+          </p:cNvPicPr>
+          <p:nvPr>
+            <p:ph sz="half" idx="2"/>
+          </p:nvPr>
+        </p:nvPicPr>
+        <p:blipFill>
+          <a:blip r:embed="rId2">
+            <a:extLst>
+              <a:ext uri="{28A0092B-C50C-407E-A947-70E740481C1C}">
+                <a14:useLocalDpi xmlns:a14="http://schemas.microsoft.com/office/drawing/2010/main" val="0"/>
+              </a:ext>
+            </a:extLst>
+          </a:blip>
+          <a:srcRect t="-2726" b="-2726"/>
+          <a:stretch>
+            <a:fillRect/>
+          </a:stretch>
+        </p:blipFill>
+        <p:spPr/>
+      </p:pic>
     </p:spTree>
     <p:extLst>
       <p:ext uri="{BB962C8B-B14F-4D97-AF65-F5344CB8AC3E}">
-        <p14:creationId xmlns:p14="http://schemas.microsoft.com/office/powerpoint/2010/main" val="4224344608"/>
+        <p14:creationId xmlns:p14="http://schemas.microsoft.com/office/powerpoint/2010/main" val="2624358988"/>
       </p:ext>
     </p:extLst>
   </p:cSld>
@@ -7095,7 +6970,7 @@
           <a:p>
             <a:r>
               <a:rPr lang="en-US" dirty="0"/>
-              <a:t>Wait</a:t>
+              <a:t>wait()</a:t>
             </a:r>
           </a:p>
         </p:txBody>
@@ -7479,7 +7354,7 @@
           <a:p>
             <a:r>
               <a:rPr lang="en-US" dirty="0"/>
-              <a:t>Notify</a:t>
+              <a:t>notify()</a:t>
             </a:r>
           </a:p>
         </p:txBody>
@@ -7497,7 +7372,7 @@
         <p:spPr/>
         <p:txBody>
           <a:bodyPr>
-            <a:normAutofit/>
+            <a:normAutofit fontScale="92500" lnSpcReduction="20000"/>
           </a:bodyPr>
           <a:lstStyle/>
           <a:p>
@@ -7569,6 +7444,24 @@
               <a:rPr lang="en-US" dirty="0"/>
               <a:t>is similar but sends a signal to all the threads waiting on the object.</a:t>
             </a:r>
+          </a:p>
+          <a:p>
+            <a:r>
+              <a:rPr lang="en-US" dirty="0"/>
+              <a:t>Simply put, notify() method lets a thread say:</a:t>
+            </a:r>
+          </a:p>
+          <a:p>
+            <a:pPr marL="0" indent="0">
+              <a:buNone/>
+            </a:pPr>
+            <a:r>
+              <a:rPr lang="en-US" i="1" dirty="0"/>
+              <a:t>“Something has changed here. Feel free to continue what you were trying to do”</a:t>
+            </a:r>
+          </a:p>
+          <a:p>
+            <a:endParaRPr lang="en-US" dirty="0"/>
           </a:p>
           <a:p>
             <a:endParaRPr lang="en-US" dirty="0"/>
@@ -7962,16 +7855,14 @@
           </a:p>
           <a:p>
             <a:r>
-              <a:rPr lang="en-US" dirty="0"/>
-              <a:t>However, the </a:t>
-            </a:r>
-            <a:r>
-              <a:rPr lang="en-US" b="1" dirty="0"/>
-              <a:t>threads are not blocked </a:t>
-            </a:r>
-            <a:r>
-              <a:rPr lang="en-US" dirty="0"/>
-              <a:t>— they are simply too busy responding to each other to resume work. </a:t>
+              <a:rPr lang="en-US" dirty="0">
+                <a:solidFill>
+                  <a:schemeClr val="accent6">
+                    <a:lumMod val="75000"/>
+                  </a:schemeClr>
+                </a:solidFill>
+              </a:rPr>
+              <a:t>However, the threads are not blocked — they are simply too busy responding to each other to resume work. </a:t>
             </a:r>
           </a:p>
         </p:txBody>
@@ -8048,7 +7939,13 @@
           <a:lstStyle/>
           <a:p>
             <a:r>
-              <a:rPr lang="en-US" dirty="0"/>
+              <a:rPr lang="en-US" dirty="0">
+                <a:solidFill>
+                  <a:schemeClr val="accent6">
+                    <a:lumMod val="75000"/>
+                  </a:schemeClr>
+                </a:solidFill>
+              </a:rPr>
               <a:t>Starvation describes a situation where a thread is unable to gain regular access to shared resources and is unable to make progress. </a:t>
             </a:r>
           </a:p>
@@ -8204,7 +8101,7 @@
         <p:spPr/>
         <p:txBody>
           <a:bodyPr>
-            <a:normAutofit lnSpcReduction="10000"/>
+            <a:normAutofit/>
           </a:bodyPr>
           <a:lstStyle/>
           <a:p>
@@ -8217,7 +8114,7 @@
             <a:pPr lvl="1"/>
             <a:r>
               <a:rPr lang="en-US" dirty="0"/>
-              <a:t>Must coordinate access to shared data with locks. Forgot a lock? Enjoy corrupted data.</a:t>
+              <a:t>Must coordinate access to shared data with locks. Forgot a lock? Enjoy little predictable runtime errors</a:t>
             </a:r>
           </a:p>
           <a:p>
@@ -8230,7 +8127,7 @@
             <a:pPr lvl="1"/>
             <a:r>
               <a:rPr lang="en-US" dirty="0"/>
-              <a:t>Simple locking yields low concurrency. </a:t>
+              <a:t>Simple locking yields low concurrency</a:t>
             </a:r>
           </a:p>
           <a:p>
@@ -8244,20 +8141,6 @@
             <a:r>
               <a:rPr lang="en-US" dirty="0"/>
               <a:t>Hard to debug</a:t>
-            </a:r>
-          </a:p>
-          <a:p>
-            <a:pPr lvl="1"/>
-            <a:r>
-              <a:rPr lang="en-US" dirty="0"/>
-              <a:t>Data and Timing dependencies</a:t>
-            </a:r>
-          </a:p>
-          <a:p>
-            <a:pPr lvl="1"/>
-            <a:r>
-              <a:rPr lang="en-US" dirty="0"/>
-              <a:t>Few debugging tools</a:t>
             </a:r>
           </a:p>
           <a:p>
@@ -8358,7 +8241,7 @@
             </a:pPr>
             <a:r>
               <a:rPr lang="en-US" dirty="0"/>
-              <a:t>Check the balance of the account.</a:t>
+              <a:t>Check the balance of the account</a:t>
             </a:r>
           </a:p>
           <a:p>
@@ -8560,25 +8443,93 @@
         </p:nvSpPr>
         <p:spPr/>
         <p:txBody>
-          <a:bodyPr/>
+          <a:bodyPr>
+            <a:normAutofit/>
+          </a:bodyPr>
           <a:lstStyle/>
           <a:p>
             <a:r>
               <a:rPr lang="en-US" dirty="0"/>
-              <a:t>Synchronization</a:t>
-            </a:r>
-          </a:p>
-        </p:txBody>
-      </p:sp>
-      <p:sp>
-        <p:nvSpPr>
-          <p:cNvPr id="4" name="object 7"/>
+              <a:t>Race condition</a:t>
+            </a:r>
+          </a:p>
+        </p:txBody>
+      </p:sp>
+      <p:sp>
+        <p:nvSpPr>
+          <p:cNvPr id="3" name="Content Placeholder 2"/>
+          <p:cNvSpPr>
+            <a:spLocks noGrp="1"/>
+          </p:cNvSpPr>
+          <p:nvPr>
+            <p:ph sz="half" idx="1"/>
+          </p:nvPr>
+        </p:nvSpPr>
+        <p:spPr/>
+        <p:txBody>
+          <a:bodyPr>
+            <a:normAutofit/>
+          </a:bodyPr>
+          <a:lstStyle/>
+          <a:p>
+            <a:r>
+              <a:rPr lang="en-US" dirty="0"/>
+              <a:t>A problem arising whenever two or more threads share the same resource (typically an object) and </a:t>
+            </a:r>
+            <a:r>
+              <a:rPr lang="en-US" dirty="0">
+                <a:solidFill>
+                  <a:schemeClr val="accent6">
+                    <a:lumMod val="75000"/>
+                  </a:schemeClr>
+                </a:solidFill>
+              </a:rPr>
+              <a:t>one thread </a:t>
+            </a:r>
+            <a:r>
+              <a:rPr lang="en-US" i="1" dirty="0">
+                <a:solidFill>
+                  <a:schemeClr val="accent6">
+                    <a:lumMod val="75000"/>
+                  </a:schemeClr>
+                </a:solidFill>
+              </a:rPr>
+              <a:t>"races in" </a:t>
+            </a:r>
+            <a:r>
+              <a:rPr lang="en-US" dirty="0">
+                <a:solidFill>
+                  <a:schemeClr val="accent6">
+                    <a:lumMod val="75000"/>
+                  </a:schemeClr>
+                </a:solidFill>
+              </a:rPr>
+              <a:t>too quickly before another operation has been completed</a:t>
+            </a:r>
+          </a:p>
+          <a:p>
+            <a:pPr marL="0" indent="0">
+              <a:buNone/>
+            </a:pPr>
+            <a:endParaRPr lang="en-US" dirty="0"/>
+          </a:p>
+        </p:txBody>
+      </p:sp>
+      <p:sp>
+        <p:nvSpPr>
+          <p:cNvPr id="5" name="object 7">
+            <a:extLst>
+              <a:ext uri="{FF2B5EF4-FFF2-40B4-BE49-F238E27FC236}">
+                <a16:creationId xmlns:a16="http://schemas.microsoft.com/office/drawing/2014/main" id="{E8B86F0B-2C96-CD4E-A363-27A6ADEAA383}"/>
+              </a:ext>
+            </a:extLst>
+          </p:cNvPr>
           <p:cNvSpPr/>
           <p:nvPr/>
         </p:nvSpPr>
         <p:spPr>
           <a:xfrm>
-            <a:off x="3022601" y="2006600"/>
+            <a:off x="5042787" y="1687624"/>
             <a:ext cx="3200400" cy="4152900"/>
           </a:xfrm>
           <a:prstGeom prst="rect">
@@ -8602,7 +8553,7 @@
     </p:spTree>
     <p:extLst>
       <p:ext uri="{BB962C8B-B14F-4D97-AF65-F5344CB8AC3E}">
-        <p14:creationId xmlns:p14="http://schemas.microsoft.com/office/powerpoint/2010/main" val="3784509847"/>
+        <p14:creationId xmlns:p14="http://schemas.microsoft.com/office/powerpoint/2010/main" val="1216020670"/>
       </p:ext>
     </p:extLst>
   </p:cSld>
@@ -8648,7 +8599,7 @@
           <a:p>
             <a:r>
               <a:rPr lang="en-US" dirty="0"/>
-              <a:t>Race condition</a:t>
+              <a:t>Preventing Race Conditions</a:t>
             </a:r>
           </a:p>
         </p:txBody>
@@ -8669,20 +8620,6 @@
           <a:lstStyle/>
           <a:p>
             <a:r>
-              <a:rPr lang="en-US" dirty="0"/>
-              <a:t>A problem happening whenever:</a:t>
-            </a:r>
-          </a:p>
-          <a:p>
-            <a:pPr lvl="1"/>
-            <a:r>
-              <a:rPr lang="en-US" dirty="0"/>
-              <a:t>Two or more threads share the same resource (typically an object's instance variable)</a:t>
-            </a:r>
-          </a:p>
-          <a:p>
-            <a:pPr lvl="1"/>
-            <a:r>
               <a:rPr lang="en-US" dirty="0">
                 <a:solidFill>
                   <a:schemeClr val="accent6">
@@ -8690,33 +8627,38 @@
                   </a:schemeClr>
                 </a:solidFill>
               </a:rPr>
-              <a:t>This can produce corrupted data if one thread </a:t>
-            </a:r>
-            <a:r>
-              <a:rPr lang="en-US" i="1" dirty="0">
-                <a:solidFill>
-                  <a:schemeClr val="accent6">
-                    <a:lumMod val="75000"/>
-                  </a:schemeClr>
-                </a:solidFill>
-              </a:rPr>
-              <a:t>"races in" </a:t>
-            </a:r>
+              <a:t>We must guarantee that the steps comprising the withdrawal process are NEVER split apart</a:t>
+            </a:r>
+          </a:p>
+          <a:p>
             <a:r>
               <a:rPr lang="en-US" dirty="0">
                 <a:solidFill>
-                  <a:schemeClr val="accent6">
-                    <a:lumMod val="75000"/>
-                  </a:schemeClr>
+                  <a:srgbClr val="E46C0A"/>
                 </a:solidFill>
               </a:rPr>
-              <a:t>too quickly before an operation has completed.</a:t>
-            </a:r>
-          </a:p>
-          <a:p>
-            <a:pPr marL="0" indent="0">
-              <a:buNone/>
-            </a:pPr>
+              <a:t>Withdrawal must be an atomic operation</a:t>
+            </a:r>
+          </a:p>
+          <a:p>
+            <a:pPr lvl="1"/>
+            <a:r>
+              <a:rPr lang="en-US" dirty="0"/>
+              <a:t>Any withdrawal (accomplished by one thread) must be completed before any other thread is allowed to act on the account</a:t>
+            </a:r>
+          </a:p>
+          <a:p>
+            <a:pPr lvl="1"/>
+            <a:r>
+              <a:rPr lang="en-US" dirty="0">
+                <a:solidFill>
+                  <a:srgbClr val="E46C0A"/>
+                </a:solidFill>
+              </a:rPr>
+              <a:t>Regardless of the number of actual instructions!</a:t>
+            </a:r>
+          </a:p>
+          <a:p>
             <a:endParaRPr lang="en-US" dirty="0"/>
           </a:p>
         </p:txBody>
@@ -8724,7 +8666,7 @@
     </p:spTree>
     <p:extLst>
       <p:ext uri="{BB962C8B-B14F-4D97-AF65-F5344CB8AC3E}">
-        <p14:creationId xmlns:p14="http://schemas.microsoft.com/office/powerpoint/2010/main" val="1216020670"/>
+        <p14:creationId xmlns:p14="http://schemas.microsoft.com/office/powerpoint/2010/main" val="2686408316"/>
       </p:ext>
     </p:extLst>
   </p:cSld>
@@ -8763,14 +8705,12 @@
         </p:nvSpPr>
         <p:spPr/>
         <p:txBody>
-          <a:bodyPr>
-            <a:normAutofit/>
-          </a:bodyPr>
+          <a:bodyPr/>
           <a:lstStyle/>
           <a:p>
             <a:r>
               <a:rPr lang="en-US" dirty="0"/>
-              <a:t>Preventing Race Conditions</a:t>
+              <a:t>Synchronized</a:t>
             </a:r>
           </a:p>
         </p:txBody>
@@ -8787,51 +8727,131 @@
         </p:nvSpPr>
         <p:spPr/>
         <p:txBody>
-          <a:bodyPr/>
-          <a:lstStyle/>
-          <a:p>
-            <a:r>
-              <a:rPr lang="en-US" dirty="0"/>
-              <a:t>We must guarantee that the two steps of the withdrawal are NEVER split apart.</a:t>
-            </a:r>
-          </a:p>
-          <a:p>
-            <a:r>
-              <a:rPr lang="en-US" dirty="0">
+          <a:bodyPr>
+            <a:normAutofit fontScale="85000" lnSpcReduction="10000"/>
+          </a:bodyPr>
+          <a:lstStyle/>
+          <a:p>
+            <a:r>
+              <a:rPr lang="en-AU" dirty="0">
+                <a:latin typeface="Calibri" panose="020F0502020204030204" pitchFamily="34" charset="0"/>
+                <a:cs typeface="Calibri" panose="020F0502020204030204" pitchFamily="34" charset="0"/>
+              </a:rPr>
+              <a:t>Developers can't guarantee that a single thread will stay running during a whole operation (supposed to be atomic for avoiding race conditions). In fact, </a:t>
+            </a:r>
+            <a:r>
+              <a:rPr lang="en-AU" dirty="0">
                 <a:solidFill>
-                  <a:srgbClr val="E46C0A"/>
+                  <a:schemeClr val="accent6">
+                    <a:lumMod val="75000"/>
+                  </a:schemeClr>
                 </a:solidFill>
-              </a:rPr>
-              <a:t>Withdrawal must be an atomic operation:</a:t>
-            </a:r>
-          </a:p>
-          <a:p>
-            <a:pPr lvl="1"/>
-            <a:r>
-              <a:rPr lang="en-US" dirty="0"/>
-              <a:t>Any withdrawal must be completed before any other thread is allowed to act on the account</a:t>
-            </a:r>
-          </a:p>
-          <a:p>
-            <a:pPr lvl="1"/>
-            <a:r>
-              <a:rPr lang="en-US" dirty="0">
+                <a:latin typeface="Calibri" panose="020F0502020204030204" pitchFamily="34" charset="0"/>
+                <a:cs typeface="Calibri" panose="020F0502020204030204" pitchFamily="34" charset="0"/>
+              </a:rPr>
+              <a:t>developers can not control the scheduler </a:t>
+            </a:r>
+            <a:r>
+              <a:rPr lang="en-AU" dirty="0">
+                <a:latin typeface="Calibri" panose="020F0502020204030204" pitchFamily="34" charset="0"/>
+                <a:cs typeface="Calibri" panose="020F0502020204030204" pitchFamily="34" charset="0"/>
+              </a:rPr>
+              <a:t>(excluding the case of calling yield()).</a:t>
+            </a:r>
+          </a:p>
+          <a:p>
+            <a:r>
+              <a:rPr lang="en-AU" dirty="0">
                 <a:solidFill>
-                  <a:srgbClr val="E46C0A"/>
+                  <a:schemeClr val="accent6">
+                    <a:lumMod val="75000"/>
+                  </a:schemeClr>
                 </a:solidFill>
-              </a:rPr>
-              <a:t>Regardless of the number of actual instructions!</a:t>
-            </a:r>
-          </a:p>
-          <a:p>
-            <a:endParaRPr lang="en-US" dirty="0"/>
+                <a:latin typeface="Calibri" panose="020F0502020204030204" pitchFamily="34" charset="0"/>
+                <a:cs typeface="Calibri" panose="020F0502020204030204" pitchFamily="34" charset="0"/>
+              </a:rPr>
+              <a:t>In Java, </a:t>
+            </a:r>
+            <a:r>
+              <a:rPr lang="en-AU" b="1" dirty="0">
+                <a:solidFill>
+                  <a:schemeClr val="accent6">
+                    <a:lumMod val="75000"/>
+                  </a:schemeClr>
+                </a:solidFill>
+                <a:latin typeface="Calibri" panose="020F0502020204030204" pitchFamily="34" charset="0"/>
+                <a:cs typeface="Calibri" panose="020F0502020204030204" pitchFamily="34" charset="0"/>
+              </a:rPr>
+              <a:t>synchronized</a:t>
+            </a:r>
+            <a:r>
+              <a:rPr lang="en-AU" dirty="0">
+                <a:solidFill>
+                  <a:schemeClr val="accent6">
+                    <a:lumMod val="75000"/>
+                  </a:schemeClr>
+                </a:solidFill>
+                <a:latin typeface="Calibri" panose="020F0502020204030204" pitchFamily="34" charset="0"/>
+                <a:cs typeface="Calibri" panose="020F0502020204030204" pitchFamily="34" charset="0"/>
+              </a:rPr>
+              <a:t> methods are used to protect access to resources that are accessed concurrently. </a:t>
+            </a:r>
+            <a:r>
+              <a:rPr lang="en-AU" dirty="0">
+                <a:latin typeface="Calibri" panose="020F0502020204030204" pitchFamily="34" charset="0"/>
+                <a:cs typeface="Calibri" panose="020F0502020204030204" pitchFamily="34" charset="0"/>
+              </a:rPr>
+              <a:t>Only one thread at a time can access</a:t>
+            </a:r>
+          </a:p>
+          <a:p>
+            <a:r>
+              <a:rPr lang="en-AU" dirty="0">
+                <a:latin typeface="Calibri" panose="020F0502020204030204" pitchFamily="34" charset="0"/>
+                <a:cs typeface="Calibri" panose="020F0502020204030204" pitchFamily="34" charset="0"/>
+              </a:rPr>
+              <a:t>The modifier </a:t>
+            </a:r>
+            <a:r>
+              <a:rPr lang="en-AU" b="1" dirty="0">
+                <a:solidFill>
+                  <a:schemeClr val="accent6">
+                    <a:lumMod val="75000"/>
+                  </a:schemeClr>
+                </a:solidFill>
+                <a:latin typeface="Calibri" panose="020F0502020204030204" pitchFamily="34" charset="0"/>
+                <a:cs typeface="Calibri" panose="020F0502020204030204" pitchFamily="34" charset="0"/>
+              </a:rPr>
+              <a:t>synchronized</a:t>
+            </a:r>
+            <a:r>
+              <a:rPr lang="en-AU" dirty="0">
+                <a:solidFill>
+                  <a:schemeClr val="accent6">
+                    <a:lumMod val="75000"/>
+                  </a:schemeClr>
+                </a:solidFill>
+                <a:latin typeface="Calibri" panose="020F0502020204030204" pitchFamily="34" charset="0"/>
+                <a:cs typeface="Calibri" panose="020F0502020204030204" pitchFamily="34" charset="0"/>
+              </a:rPr>
+              <a:t> can be applied either to a method or an object</a:t>
+            </a:r>
+          </a:p>
+          <a:p>
+            <a:endParaRPr lang="en-AU" dirty="0">
+              <a:solidFill>
+                <a:srgbClr val="E46C0A"/>
+              </a:solidFill>
+              <a:latin typeface="Calibri" panose="020F0502020204030204" pitchFamily="34" charset="0"/>
+              <a:cs typeface="Calibri" panose="020F0502020204030204" pitchFamily="34" charset="0"/>
+            </a:endParaRPr>
           </a:p>
         </p:txBody>
       </p:sp>
     </p:spTree>
     <p:extLst>
       <p:ext uri="{BB962C8B-B14F-4D97-AF65-F5344CB8AC3E}">
-        <p14:creationId xmlns:p14="http://schemas.microsoft.com/office/powerpoint/2010/main" val="2686408316"/>
+        <p14:creationId xmlns:p14="http://schemas.microsoft.com/office/powerpoint/2010/main" val="1002645530"/>
       </p:ext>
     </p:extLst>
   </p:cSld>
@@ -8875,7 +8895,7 @@
           <a:p>
             <a:r>
               <a:rPr lang="en-US" dirty="0"/>
-              <a:t>Synchronized</a:t>
+              <a:t>Synchronization and Locks</a:t>
             </a:r>
           </a:p>
         </p:txBody>
@@ -8893,69 +8913,215 @@
         <p:spPr/>
         <p:txBody>
           <a:bodyPr>
-            <a:normAutofit fontScale="92500"/>
+            <a:normAutofit/>
           </a:bodyPr>
           <a:lstStyle/>
           <a:p>
-            <a:r>
-              <a:rPr lang="en-US" dirty="0"/>
-              <a:t>You can't guarantee that a single thread will stay running during a whole operation (supposed to be atomic for avoiding race conditions).</a:t>
-            </a:r>
-          </a:p>
-          <a:p>
-            <a:r>
-              <a:rPr lang="en-US" dirty="0">
-                <a:solidFill>
-                  <a:schemeClr val="accent6">
-                    <a:lumMod val="75000"/>
-                  </a:schemeClr>
-                </a:solidFill>
-              </a:rPr>
-              <a:t>Developers can not control the scheduler </a:t>
-            </a:r>
-            <a:r>
-              <a:rPr lang="en-US" dirty="0"/>
-              <a:t>(excluding the case of calling yield()).</a:t>
-            </a:r>
-          </a:p>
-          <a:p>
-            <a:r>
-              <a:rPr lang="en-US" dirty="0"/>
-              <a:t>The modifier </a:t>
-            </a:r>
-            <a:r>
-              <a:rPr lang="en-US" dirty="0">
-                <a:solidFill>
-                  <a:srgbClr val="E46C0A"/>
-                </a:solidFill>
-              </a:rPr>
-              <a:t>synchronized</a:t>
-            </a:r>
-            <a:r>
-              <a:rPr lang="en-US" dirty="0"/>
-              <a:t> can be applied to a method or an object.</a:t>
-            </a:r>
-          </a:p>
-          <a:p>
-            <a:r>
-              <a:rPr lang="en-US" dirty="0"/>
-              <a:t>Synchronized locks a code block: </a:t>
-            </a:r>
-            <a:r>
-              <a:rPr lang="en-US" dirty="0">
-                <a:solidFill>
-                  <a:srgbClr val="E46C0A"/>
-                </a:solidFill>
-              </a:rPr>
-              <a:t>only one thread at a time can access.</a:t>
-            </a:r>
+            <a:pPr marL="0" indent="0">
+              <a:buNone/>
+            </a:pPr>
+            <a:r>
+              <a:rPr lang="en-US" sz="2000" dirty="0">
+                <a:latin typeface="Consolas"/>
+                <a:cs typeface="Consolas"/>
+              </a:rPr>
+              <a:t>public synchronized void </a:t>
+            </a:r>
+            <a:r>
+              <a:rPr lang="en-US" sz="2000" dirty="0" err="1">
+                <a:latin typeface="Consolas"/>
+                <a:cs typeface="Consolas"/>
+              </a:rPr>
+              <a:t>doStuff</a:t>
+            </a:r>
+            <a:r>
+              <a:rPr lang="en-US" sz="2000" dirty="0">
+                <a:latin typeface="Consolas"/>
+                <a:cs typeface="Consolas"/>
+              </a:rPr>
+              <a:t>() { </a:t>
+            </a:r>
+          </a:p>
+          <a:p>
+            <a:pPr marL="0" indent="0">
+              <a:buNone/>
+            </a:pPr>
+            <a:r>
+              <a:rPr lang="en-US" sz="2000" dirty="0">
+                <a:latin typeface="Consolas"/>
+                <a:cs typeface="Consolas"/>
+              </a:rPr>
+              <a:t>	</a:t>
+            </a:r>
+            <a:r>
+              <a:rPr lang="en-US" sz="2000" dirty="0" err="1">
+                <a:latin typeface="Consolas"/>
+                <a:cs typeface="Consolas"/>
+              </a:rPr>
+              <a:t>System.out.println</a:t>
+            </a:r>
+            <a:r>
+              <a:rPr lang="en-US" sz="2000" dirty="0">
+                <a:latin typeface="Consolas"/>
+                <a:cs typeface="Consolas"/>
+              </a:rPr>
+              <a:t>("synchronized");</a:t>
+            </a:r>
+          </a:p>
+          <a:p>
+            <a:pPr marL="0" indent="0">
+              <a:buNone/>
+            </a:pPr>
+            <a:r>
+              <a:rPr lang="en-US" sz="2000" dirty="0">
+                <a:latin typeface="Consolas"/>
+                <a:cs typeface="Consolas"/>
+              </a:rPr>
+              <a:t>}</a:t>
+            </a:r>
+          </a:p>
+          <a:p>
+            <a:pPr marL="0" indent="0">
+              <a:buNone/>
+            </a:pPr>
+            <a:endParaRPr lang="en-US" sz="2400" dirty="0">
+              <a:latin typeface="Consolas"/>
+              <a:cs typeface="Consolas"/>
+            </a:endParaRPr>
+          </a:p>
+          <a:p>
+            <a:pPr marL="0" indent="0">
+              <a:buNone/>
+            </a:pPr>
+            <a:r>
+              <a:rPr lang="en-US" sz="2400" dirty="0">
+                <a:latin typeface="Calibri" panose="020F0502020204030204" pitchFamily="34" charset="0"/>
+                <a:cs typeface="Calibri" panose="020F0502020204030204" pitchFamily="34" charset="0"/>
+              </a:rPr>
+              <a:t>Is equivalent to</a:t>
+            </a:r>
+          </a:p>
+          <a:p>
+            <a:pPr marL="0" indent="0">
+              <a:buNone/>
+            </a:pPr>
+            <a:endParaRPr lang="en-US" sz="2400" dirty="0">
+              <a:latin typeface="Consolas"/>
+              <a:cs typeface="Consolas"/>
+            </a:endParaRPr>
+          </a:p>
+          <a:p>
+            <a:pPr marL="0" indent="0">
+              <a:buNone/>
+            </a:pPr>
+            <a:r>
+              <a:rPr lang="en-US" sz="2000" dirty="0">
+                <a:latin typeface="Consolas"/>
+                <a:cs typeface="Consolas"/>
+              </a:rPr>
+              <a:t>public void </a:t>
+            </a:r>
+            <a:r>
+              <a:rPr lang="en-US" sz="2000" dirty="0" err="1">
+                <a:latin typeface="Consolas"/>
+                <a:cs typeface="Consolas"/>
+              </a:rPr>
+              <a:t>doStuff</a:t>
+            </a:r>
+            <a:r>
+              <a:rPr lang="en-US" sz="2000" dirty="0">
+                <a:latin typeface="Consolas"/>
+                <a:cs typeface="Consolas"/>
+              </a:rPr>
+              <a:t>() { </a:t>
+            </a:r>
+          </a:p>
+          <a:p>
+            <a:pPr marL="0" indent="0">
+              <a:buNone/>
+            </a:pPr>
+            <a:r>
+              <a:rPr lang="en-US" sz="2000" dirty="0">
+                <a:latin typeface="Consolas"/>
+                <a:cs typeface="Consolas"/>
+              </a:rPr>
+              <a:t>	synchronized(this) {</a:t>
+            </a:r>
+          </a:p>
+          <a:p>
+            <a:pPr marL="0" indent="0">
+              <a:buNone/>
+            </a:pPr>
+            <a:r>
+              <a:rPr lang="en-US" sz="2000" dirty="0">
+                <a:latin typeface="Consolas"/>
+                <a:cs typeface="Consolas"/>
+              </a:rPr>
+              <a:t>		</a:t>
+            </a:r>
+            <a:r>
+              <a:rPr lang="en-US" sz="2000" dirty="0" err="1">
+                <a:latin typeface="Consolas"/>
+                <a:cs typeface="Consolas"/>
+              </a:rPr>
+              <a:t>System.out.println</a:t>
+            </a:r>
+            <a:r>
+              <a:rPr lang="en-US" sz="2000" dirty="0">
+                <a:latin typeface="Consolas"/>
+                <a:cs typeface="Consolas"/>
+              </a:rPr>
+              <a:t>("synchronized");</a:t>
+            </a:r>
+          </a:p>
+          <a:p>
+            <a:pPr marL="0" indent="0">
+              <a:buNone/>
+            </a:pPr>
+            <a:r>
+              <a:rPr lang="en-US" sz="2000" dirty="0">
+                <a:latin typeface="Consolas"/>
+                <a:cs typeface="Consolas"/>
+              </a:rPr>
+              <a:t>	}  </a:t>
+            </a:r>
+          </a:p>
+          <a:p>
+            <a:pPr marL="0" indent="0">
+              <a:buNone/>
+            </a:pPr>
+            <a:r>
+              <a:rPr lang="en-US" sz="2000" dirty="0">
+                <a:latin typeface="Consolas"/>
+                <a:cs typeface="Consolas"/>
+              </a:rPr>
+              <a:t>}</a:t>
+            </a:r>
+          </a:p>
+          <a:p>
+            <a:pPr marL="0" indent="0">
+              <a:buNone/>
+            </a:pPr>
+            <a:endParaRPr lang="en-US" sz="2000" dirty="0">
+              <a:latin typeface="Consolas"/>
+              <a:cs typeface="Consolas"/>
+            </a:endParaRPr>
+          </a:p>
+          <a:p>
+            <a:pPr marL="0" indent="0">
+              <a:buNone/>
+            </a:pPr>
+            <a:endParaRPr lang="en-US" sz="2400" dirty="0">
+              <a:latin typeface="Consolas"/>
+              <a:cs typeface="Consolas"/>
+            </a:endParaRPr>
           </a:p>
         </p:txBody>
       </p:sp>
     </p:spTree>
     <p:extLst>
       <p:ext uri="{BB962C8B-B14F-4D97-AF65-F5344CB8AC3E}">
-        <p14:creationId xmlns:p14="http://schemas.microsoft.com/office/powerpoint/2010/main" val="1002645530"/>
+        <p14:creationId xmlns:p14="http://schemas.microsoft.com/office/powerpoint/2010/main" val="2241056727"/>
       </p:ext>
     </p:extLst>
   </p:cSld>
@@ -9027,13 +9193,13 @@
                   <a:srgbClr val="E46C0A"/>
                 </a:solidFill>
               </a:rPr>
-              <a:t>Every object in Java has one built-in lock</a:t>
+              <a:t>Every object in Java has ONE built-in lock</a:t>
             </a:r>
           </a:p>
           <a:p>
             <a:r>
               <a:rPr lang="en-US" dirty="0"/>
-              <a:t>Enter a synchronized non-static method means getting the lock of the object. If one thread gets the lock, the other threads have to wait to enter the synchronized code until the lock is released (thread exits the </a:t>
+              <a:t>Entering a </a:t>
             </a:r>
             <a:r>
               <a:rPr lang="en-US" dirty="0">
@@ -9043,20 +9209,12 @@
                   </a:schemeClr>
                 </a:solidFill>
               </a:rPr>
-              <a:t>synchronized </a:t>
+              <a:t>synchronized non-static method means getting the lock of the object</a:t>
             </a:r>
             <a:r>
               <a:rPr lang="en-US" dirty="0"/>
-              <a:t>method)</a:t>
-            </a:r>
-          </a:p>
-          <a:p>
-            <a:r>
-              <a:rPr lang="en-US" dirty="0"/>
-              <a:t>Not all methods in a class need to be synchronized.</a:t>
-            </a:r>
-          </a:p>
-          <a:p>
+              <a:t>. If one thread gets the lock, all other threads have to wait to enter ALL the synchronized code until the lock is released (the first thread exits the </a:t>
+            </a:r>
             <a:r>
               <a:rPr lang="en-US" dirty="0">
                 <a:solidFill>
@@ -9065,7 +9223,31 @@
                   </a:schemeClr>
                 </a:solidFill>
               </a:rPr>
-              <a:t>Once a thread gets the lock on an object, no other thread can enter any of the synchronized methods of the object.</a:t>
+              <a:t>synchronized </a:t>
+            </a:r>
+            <a:r>
+              <a:rPr lang="en-US" dirty="0"/>
+              <a:t>method)</a:t>
+            </a:r>
+          </a:p>
+          <a:p>
+            <a:r>
+              <a:rPr lang="en-US" dirty="0"/>
+              <a:t>Entering a </a:t>
+            </a:r>
+            <a:r>
+              <a:rPr lang="en-US" dirty="0">
+                <a:solidFill>
+                  <a:schemeClr val="accent6">
+                    <a:lumMod val="75000"/>
+                  </a:schemeClr>
+                </a:solidFill>
+              </a:rPr>
+              <a:t>synchronized static method means getting the lock of the class</a:t>
+            </a:r>
+            <a:r>
+              <a:rPr lang="en-US" dirty="0"/>
+              <a:t> instead of an object. Useful when the shared resource is defined static as well.</a:t>
             </a:r>
           </a:p>
           <a:p>
